--- a/wiki/2012工作总结--赵曈.pptx
+++ b/wiki/2012工作总结--赵曈.pptx
@@ -12,10 +12,13 @@
     <p:sldId id="261" r:id="rId6"/>
     <p:sldId id="262" r:id="rId7"/>
     <p:sldId id="263" r:id="rId8"/>
-    <p:sldId id="264" r:id="rId9"/>
-    <p:sldId id="265" r:id="rId10"/>
-    <p:sldId id="266" r:id="rId11"/>
-    <p:sldId id="267" r:id="rId12"/>
+    <p:sldId id="268" r:id="rId9"/>
+    <p:sldId id="269" r:id="rId10"/>
+    <p:sldId id="270" r:id="rId11"/>
+    <p:sldId id="264" r:id="rId12"/>
+    <p:sldId id="265" r:id="rId13"/>
+    <p:sldId id="266" r:id="rId14"/>
+    <p:sldId id="267" r:id="rId15"/>
   </p:sldIdLst>
   <p:sldSz cx="9144000" cy="6858000" type="screen4x3"/>
   <p:notesSz cx="6858000" cy="9144000"/>
@@ -3271,6 +3274,13 @@
         </dgm:presLayoutVars>
       </dgm:prSet>
       <dgm:spPr/>
+      <dgm:t>
+        <a:bodyPr/>
+        <a:lstStyle/>
+        <a:p>
+          <a:endParaRPr lang="zh-CN" altLang="en-US"/>
+        </a:p>
+      </dgm:t>
     </dgm:pt>
     <dgm:pt modelId="{68AD3209-FE52-42FD-9E1C-6986B2C29273}" type="pres">
       <dgm:prSet presAssocID="{B5A61EFF-3C26-4FA1-8020-F1C77A8EB8EF}" presName="node" presStyleLbl="node1" presStyleIdx="0" presStyleCnt="5">
@@ -3279,14 +3289,35 @@
         </dgm:presLayoutVars>
       </dgm:prSet>
       <dgm:spPr/>
+      <dgm:t>
+        <a:bodyPr/>
+        <a:lstStyle/>
+        <a:p>
+          <a:endParaRPr lang="zh-CN" altLang="en-US"/>
+        </a:p>
+      </dgm:t>
     </dgm:pt>
     <dgm:pt modelId="{18FDAF74-452D-4DDC-817B-75D060B71149}" type="pres">
       <dgm:prSet presAssocID="{504B5229-A14E-4671-9DF6-3545454278B8}" presName="sibTrans" presStyleLbl="sibTrans1D1" presStyleIdx="0" presStyleCnt="4"/>
       <dgm:spPr/>
+      <dgm:t>
+        <a:bodyPr/>
+        <a:lstStyle/>
+        <a:p>
+          <a:endParaRPr lang="zh-CN" altLang="en-US"/>
+        </a:p>
+      </dgm:t>
     </dgm:pt>
     <dgm:pt modelId="{B14552E6-2428-4221-A1A7-7DFFC791FD79}" type="pres">
       <dgm:prSet presAssocID="{504B5229-A14E-4671-9DF6-3545454278B8}" presName="connectorText" presStyleLbl="sibTrans1D1" presStyleIdx="0" presStyleCnt="4"/>
       <dgm:spPr/>
+      <dgm:t>
+        <a:bodyPr/>
+        <a:lstStyle/>
+        <a:p>
+          <a:endParaRPr lang="zh-CN" altLang="en-US"/>
+        </a:p>
+      </dgm:t>
     </dgm:pt>
     <dgm:pt modelId="{6A06770B-42F2-4934-B329-27F5A835727B}" type="pres">
       <dgm:prSet presAssocID="{8F06A444-0CEA-464F-8BBA-ABA03132A7A2}" presName="node" presStyleLbl="node1" presStyleIdx="1" presStyleCnt="5">
@@ -3306,10 +3337,24 @@
     <dgm:pt modelId="{ABFC0BE6-57E7-4DC1-99CA-EA593A79B542}" type="pres">
       <dgm:prSet presAssocID="{8D6AA80D-71CF-497E-A9CB-FAAE4666ED9E}" presName="sibTrans" presStyleLbl="sibTrans1D1" presStyleIdx="1" presStyleCnt="4"/>
       <dgm:spPr/>
+      <dgm:t>
+        <a:bodyPr/>
+        <a:lstStyle/>
+        <a:p>
+          <a:endParaRPr lang="zh-CN" altLang="en-US"/>
+        </a:p>
+      </dgm:t>
     </dgm:pt>
     <dgm:pt modelId="{612F3864-1AAB-4849-8558-9445204D3369}" type="pres">
       <dgm:prSet presAssocID="{8D6AA80D-71CF-497E-A9CB-FAAE4666ED9E}" presName="connectorText" presStyleLbl="sibTrans1D1" presStyleIdx="1" presStyleCnt="4"/>
       <dgm:spPr/>
+      <dgm:t>
+        <a:bodyPr/>
+        <a:lstStyle/>
+        <a:p>
+          <a:endParaRPr lang="zh-CN" altLang="en-US"/>
+        </a:p>
+      </dgm:t>
     </dgm:pt>
     <dgm:pt modelId="{7DADC73E-99E7-4962-89D0-3DC34C8C6519}" type="pres">
       <dgm:prSet presAssocID="{AE158CB8-732A-4AF5-90BA-EAC089159A7E}" presName="node" presStyleLbl="node1" presStyleIdx="2" presStyleCnt="5">
@@ -3318,14 +3363,35 @@
         </dgm:presLayoutVars>
       </dgm:prSet>
       <dgm:spPr/>
+      <dgm:t>
+        <a:bodyPr/>
+        <a:lstStyle/>
+        <a:p>
+          <a:endParaRPr lang="zh-CN" altLang="en-US"/>
+        </a:p>
+      </dgm:t>
     </dgm:pt>
     <dgm:pt modelId="{EB0B082E-C279-461B-A637-DB110FDE3844}" type="pres">
       <dgm:prSet presAssocID="{7F166DFA-0F11-4B5C-9F66-5944707EE6C8}" presName="sibTrans" presStyleLbl="sibTrans1D1" presStyleIdx="2" presStyleCnt="4"/>
       <dgm:spPr/>
+      <dgm:t>
+        <a:bodyPr/>
+        <a:lstStyle/>
+        <a:p>
+          <a:endParaRPr lang="zh-CN" altLang="en-US"/>
+        </a:p>
+      </dgm:t>
     </dgm:pt>
     <dgm:pt modelId="{FB00A981-19AD-42B2-A5FF-4CC2531751C0}" type="pres">
       <dgm:prSet presAssocID="{7F166DFA-0F11-4B5C-9F66-5944707EE6C8}" presName="connectorText" presStyleLbl="sibTrans1D1" presStyleIdx="2" presStyleCnt="4"/>
       <dgm:spPr/>
+      <dgm:t>
+        <a:bodyPr/>
+        <a:lstStyle/>
+        <a:p>
+          <a:endParaRPr lang="zh-CN" altLang="en-US"/>
+        </a:p>
+      </dgm:t>
     </dgm:pt>
     <dgm:pt modelId="{C051DEFF-C5FD-48A2-927B-A255D3F3CB85}" type="pres">
       <dgm:prSet presAssocID="{CD1FA7F3-1B40-4DD2-9C81-2930BFC36134}" presName="node" presStyleLbl="node1" presStyleIdx="3" presStyleCnt="5">
@@ -3334,14 +3400,35 @@
         </dgm:presLayoutVars>
       </dgm:prSet>
       <dgm:spPr/>
+      <dgm:t>
+        <a:bodyPr/>
+        <a:lstStyle/>
+        <a:p>
+          <a:endParaRPr lang="zh-CN" altLang="en-US"/>
+        </a:p>
+      </dgm:t>
     </dgm:pt>
     <dgm:pt modelId="{45087BDD-7AE1-43F1-9BA9-FFE5E4975B10}" type="pres">
       <dgm:prSet presAssocID="{56E5CC99-5197-443B-A25F-32FEEE60FC25}" presName="sibTrans" presStyleLbl="sibTrans1D1" presStyleIdx="3" presStyleCnt="4"/>
       <dgm:spPr/>
+      <dgm:t>
+        <a:bodyPr/>
+        <a:lstStyle/>
+        <a:p>
+          <a:endParaRPr lang="zh-CN" altLang="en-US"/>
+        </a:p>
+      </dgm:t>
     </dgm:pt>
     <dgm:pt modelId="{2265026B-D129-4AC4-AF1B-5FE735EA7EE3}" type="pres">
       <dgm:prSet presAssocID="{56E5CC99-5197-443B-A25F-32FEEE60FC25}" presName="connectorText" presStyleLbl="sibTrans1D1" presStyleIdx="3" presStyleCnt="4"/>
       <dgm:spPr/>
+      <dgm:t>
+        <a:bodyPr/>
+        <a:lstStyle/>
+        <a:p>
+          <a:endParaRPr lang="zh-CN" altLang="en-US"/>
+        </a:p>
+      </dgm:t>
     </dgm:pt>
     <dgm:pt modelId="{4D417414-F3FA-4E8F-BF61-E5F7399FE3CD}" type="pres">
       <dgm:prSet presAssocID="{5CABB285-2DEE-4D91-8A08-17CF41958DB6}" presName="node" presStyleLbl="node1" presStyleIdx="4" presStyleCnt="5">
@@ -3350,6 +3437,13 @@
         </dgm:presLayoutVars>
       </dgm:prSet>
       <dgm:spPr/>
+      <dgm:t>
+        <a:bodyPr/>
+        <a:lstStyle/>
+        <a:p>
+          <a:endParaRPr lang="zh-CN" altLang="en-US"/>
+        </a:p>
+      </dgm:t>
     </dgm:pt>
   </dgm:ptLst>
   <dgm:cxnLst>
@@ -3360,8 +3454,8 @@
     <dgm:cxn modelId="{4EC0B264-10D8-40E0-9BFB-07A6F1F1DBDD}" type="presOf" srcId="{CC1098DC-5754-4690-BC6A-EF0A29274DF6}" destId="{49052539-7593-41FE-9F2F-3D97B5E13A71}" srcOrd="0" destOrd="0" presId="urn:microsoft.com/office/officeart/2005/8/layout/bProcess3"/>
     <dgm:cxn modelId="{23A2AAA3-DCDA-4EDA-AD86-04BE6BBA1694}" type="presOf" srcId="{504B5229-A14E-4671-9DF6-3545454278B8}" destId="{B14552E6-2428-4221-A1A7-7DFFC791FD79}" srcOrd="1" destOrd="0" presId="urn:microsoft.com/office/officeart/2005/8/layout/bProcess3"/>
     <dgm:cxn modelId="{E50BB91C-1293-4F68-8875-341E74483255}" srcId="{CC1098DC-5754-4690-BC6A-EF0A29274DF6}" destId="{8F06A444-0CEA-464F-8BBA-ABA03132A7A2}" srcOrd="1" destOrd="0" parTransId="{4E5BFECE-5CC1-4C0A-9A3A-715331DC185C}" sibTransId="{8D6AA80D-71CF-497E-A9CB-FAAE4666ED9E}"/>
+    <dgm:cxn modelId="{9AE9BAB1-1DCF-4D0A-96B7-39B3C2E847AF}" type="presOf" srcId="{56E5CC99-5197-443B-A25F-32FEEE60FC25}" destId="{2265026B-D129-4AC4-AF1B-5FE735EA7EE3}" srcOrd="1" destOrd="0" presId="urn:microsoft.com/office/officeart/2005/8/layout/bProcess3"/>
     <dgm:cxn modelId="{6341B58D-065E-4160-BB9A-19FDF56E20C0}" srcId="{CC1098DC-5754-4690-BC6A-EF0A29274DF6}" destId="{5CABB285-2DEE-4D91-8A08-17CF41958DB6}" srcOrd="4" destOrd="0" parTransId="{519F416F-2CD9-4E91-A86F-63A6F83BC32F}" sibTransId="{D1B95A7C-1980-40B4-8454-15003214CD03}"/>
-    <dgm:cxn modelId="{9AE9BAB1-1DCF-4D0A-96B7-39B3C2E847AF}" type="presOf" srcId="{56E5CC99-5197-443B-A25F-32FEEE60FC25}" destId="{2265026B-D129-4AC4-AF1B-5FE735EA7EE3}" srcOrd="1" destOrd="0" presId="urn:microsoft.com/office/officeart/2005/8/layout/bProcess3"/>
     <dgm:cxn modelId="{C01BB65D-1E0E-43C0-8511-BF54A084627A}" type="presOf" srcId="{7F166DFA-0F11-4B5C-9F66-5944707EE6C8}" destId="{EB0B082E-C279-461B-A637-DB110FDE3844}" srcOrd="0" destOrd="0" presId="urn:microsoft.com/office/officeart/2005/8/layout/bProcess3"/>
     <dgm:cxn modelId="{07693BA3-4C02-49FA-8DC7-E99A31BB7ABE}" type="presOf" srcId="{7F166DFA-0F11-4B5C-9F66-5944707EE6C8}" destId="{FB00A981-19AD-42B2-A5FF-4CC2531751C0}" srcOrd="1" destOrd="0" presId="urn:microsoft.com/office/officeart/2005/8/layout/bProcess3"/>
     <dgm:cxn modelId="{12732452-3399-4D52-BB0E-BAE691F89AAF}" type="presOf" srcId="{B5A61EFF-3C26-4FA1-8020-F1C77A8EB8EF}" destId="{68AD3209-FE52-42FD-9E1C-6986B2C29273}" srcOrd="0" destOrd="0" presId="urn:microsoft.com/office/officeart/2005/8/layout/bProcess3"/>
@@ -3574,6 +3668,13 @@
         </dgm:presLayoutVars>
       </dgm:prSet>
       <dgm:spPr/>
+      <dgm:t>
+        <a:bodyPr/>
+        <a:lstStyle/>
+        <a:p>
+          <a:endParaRPr lang="zh-CN" altLang="en-US"/>
+        </a:p>
+      </dgm:t>
     </dgm:pt>
     <dgm:pt modelId="{2449C19F-6BFE-48E8-BA7E-53F81D55BAE7}" type="pres">
       <dgm:prSet presAssocID="{894B69DF-5858-4418-8FB2-92F2EB13ADFE}" presName="node" presStyleLbl="node1" presStyleIdx="0" presStyleCnt="4">
@@ -3582,14 +3683,35 @@
         </dgm:presLayoutVars>
       </dgm:prSet>
       <dgm:spPr/>
+      <dgm:t>
+        <a:bodyPr/>
+        <a:lstStyle/>
+        <a:p>
+          <a:endParaRPr lang="zh-CN" altLang="en-US"/>
+        </a:p>
+      </dgm:t>
     </dgm:pt>
     <dgm:pt modelId="{5FAFD28F-D259-4857-9749-C81053DE18F7}" type="pres">
       <dgm:prSet presAssocID="{4BC8FC8F-3D79-450E-9D5D-58CA9BC65A9F}" presName="sibTrans" presStyleLbl="sibTrans1D1" presStyleIdx="0" presStyleCnt="3"/>
       <dgm:spPr/>
+      <dgm:t>
+        <a:bodyPr/>
+        <a:lstStyle/>
+        <a:p>
+          <a:endParaRPr lang="zh-CN" altLang="en-US"/>
+        </a:p>
+      </dgm:t>
     </dgm:pt>
     <dgm:pt modelId="{5B03B2C9-1972-4DB1-BC04-8E0615072E72}" type="pres">
       <dgm:prSet presAssocID="{4BC8FC8F-3D79-450E-9D5D-58CA9BC65A9F}" presName="connectorText" presStyleLbl="sibTrans1D1" presStyleIdx="0" presStyleCnt="3"/>
       <dgm:spPr/>
+      <dgm:t>
+        <a:bodyPr/>
+        <a:lstStyle/>
+        <a:p>
+          <a:endParaRPr lang="zh-CN" altLang="en-US"/>
+        </a:p>
+      </dgm:t>
     </dgm:pt>
     <dgm:pt modelId="{F2E18EFB-BFDB-4693-AE29-75EFF15FAD28}" type="pres">
       <dgm:prSet presAssocID="{9C8473A9-2430-46B6-B2E6-BB8B9A0D1DB3}" presName="node" presStyleLbl="node1" presStyleIdx="1" presStyleCnt="4">
@@ -3598,14 +3720,35 @@
         </dgm:presLayoutVars>
       </dgm:prSet>
       <dgm:spPr/>
+      <dgm:t>
+        <a:bodyPr/>
+        <a:lstStyle/>
+        <a:p>
+          <a:endParaRPr lang="zh-CN" altLang="en-US"/>
+        </a:p>
+      </dgm:t>
     </dgm:pt>
     <dgm:pt modelId="{52940AAF-0B1A-4860-95A2-4A944699C34B}" type="pres">
       <dgm:prSet presAssocID="{7A3BD20A-E592-4C68-88F1-1FD4E3108436}" presName="sibTrans" presStyleLbl="sibTrans1D1" presStyleIdx="1" presStyleCnt="3"/>
       <dgm:spPr/>
+      <dgm:t>
+        <a:bodyPr/>
+        <a:lstStyle/>
+        <a:p>
+          <a:endParaRPr lang="zh-CN" altLang="en-US"/>
+        </a:p>
+      </dgm:t>
     </dgm:pt>
     <dgm:pt modelId="{40FA0676-6649-4395-B3F4-5A61669F7078}" type="pres">
       <dgm:prSet presAssocID="{7A3BD20A-E592-4C68-88F1-1FD4E3108436}" presName="connectorText" presStyleLbl="sibTrans1D1" presStyleIdx="1" presStyleCnt="3"/>
       <dgm:spPr/>
+      <dgm:t>
+        <a:bodyPr/>
+        <a:lstStyle/>
+        <a:p>
+          <a:endParaRPr lang="zh-CN" altLang="en-US"/>
+        </a:p>
+      </dgm:t>
     </dgm:pt>
     <dgm:pt modelId="{BFD9C7CA-BB05-46D1-A069-7ADF003A271C}" type="pres">
       <dgm:prSet presAssocID="{0FA896DE-97B8-4E61-9DFE-FA027C72CB80}" presName="node" presStyleLbl="node1" presStyleIdx="2" presStyleCnt="4">
@@ -3625,10 +3768,24 @@
     <dgm:pt modelId="{73E7C563-47E6-4E29-8C16-9BF3FACD7F21}" type="pres">
       <dgm:prSet presAssocID="{5CABB83A-7A03-4430-882A-B553D1A82F3B}" presName="sibTrans" presStyleLbl="sibTrans1D1" presStyleIdx="2" presStyleCnt="3"/>
       <dgm:spPr/>
+      <dgm:t>
+        <a:bodyPr/>
+        <a:lstStyle/>
+        <a:p>
+          <a:endParaRPr lang="zh-CN" altLang="en-US"/>
+        </a:p>
+      </dgm:t>
     </dgm:pt>
     <dgm:pt modelId="{E616A689-8A36-4F13-8634-33BD6805524F}" type="pres">
       <dgm:prSet presAssocID="{5CABB83A-7A03-4430-882A-B553D1A82F3B}" presName="connectorText" presStyleLbl="sibTrans1D1" presStyleIdx="2" presStyleCnt="3"/>
       <dgm:spPr/>
+      <dgm:t>
+        <a:bodyPr/>
+        <a:lstStyle/>
+        <a:p>
+          <a:endParaRPr lang="zh-CN" altLang="en-US"/>
+        </a:p>
+      </dgm:t>
     </dgm:pt>
     <dgm:pt modelId="{80402237-CD6E-4594-9C47-C97063EA3F24}" type="pres">
       <dgm:prSet presAssocID="{537F3B65-B34A-4CDB-8C2E-11555BA04E51}" presName="node" presStyleLbl="node1" presStyleIdx="3" presStyleCnt="4">
@@ -3637,24 +3794,31 @@
         </dgm:presLayoutVars>
       </dgm:prSet>
       <dgm:spPr/>
+      <dgm:t>
+        <a:bodyPr/>
+        <a:lstStyle/>
+        <a:p>
+          <a:endParaRPr lang="zh-CN" altLang="en-US"/>
+        </a:p>
+      </dgm:t>
     </dgm:pt>
   </dgm:ptLst>
   <dgm:cxnLst>
+    <dgm:cxn modelId="{DB64559F-7407-4C0F-A137-18C25B4AC3B3}" srcId="{99B26707-31D8-4214-A522-80556394F47E}" destId="{894B69DF-5858-4418-8FB2-92F2EB13ADFE}" srcOrd="0" destOrd="0" parTransId="{74DA0AD8-6F4E-4DA6-BB20-8C1B9E891062}" sibTransId="{4BC8FC8F-3D79-450E-9D5D-58CA9BC65A9F}"/>
+    <dgm:cxn modelId="{39107D85-97AF-4BED-A3B9-E08226D152D2}" type="presOf" srcId="{99B26707-31D8-4214-A522-80556394F47E}" destId="{5039619F-86EE-46B0-A4E5-89E4F555EB4A}" srcOrd="0" destOrd="0" presId="urn:microsoft.com/office/officeart/2005/8/layout/bProcess3"/>
+    <dgm:cxn modelId="{70C75F8A-4D6E-4992-B9EA-BAE7A4CFB289}" type="presOf" srcId="{4BC8FC8F-3D79-450E-9D5D-58CA9BC65A9F}" destId="{5FAFD28F-D259-4857-9749-C81053DE18F7}" srcOrd="0" destOrd="0" presId="urn:microsoft.com/office/officeart/2005/8/layout/bProcess3"/>
+    <dgm:cxn modelId="{B186D0DB-3747-46B7-978F-2B0BB7FC769B}" srcId="{99B26707-31D8-4214-A522-80556394F47E}" destId="{0FA896DE-97B8-4E61-9DFE-FA027C72CB80}" srcOrd="2" destOrd="0" parTransId="{59E4DBCA-DE41-4190-9B6B-7F303F497BBB}" sibTransId="{5CABB83A-7A03-4430-882A-B553D1A82F3B}"/>
+    <dgm:cxn modelId="{1D3A4CA3-F137-442C-924E-B5738F7FB72F}" type="presOf" srcId="{7A3BD20A-E592-4C68-88F1-1FD4E3108436}" destId="{52940AAF-0B1A-4860-95A2-4A944699C34B}" srcOrd="0" destOrd="0" presId="urn:microsoft.com/office/officeart/2005/8/layout/bProcess3"/>
     <dgm:cxn modelId="{731EBF42-30A2-444B-A666-D1063A14BE6C}" type="presOf" srcId="{4BC8FC8F-3D79-450E-9D5D-58CA9BC65A9F}" destId="{5B03B2C9-1972-4DB1-BC04-8E0615072E72}" srcOrd="1" destOrd="0" presId="urn:microsoft.com/office/officeart/2005/8/layout/bProcess3"/>
-    <dgm:cxn modelId="{39107D85-97AF-4BED-A3B9-E08226D152D2}" type="presOf" srcId="{99B26707-31D8-4214-A522-80556394F47E}" destId="{5039619F-86EE-46B0-A4E5-89E4F555EB4A}" srcOrd="0" destOrd="0" presId="urn:microsoft.com/office/officeart/2005/8/layout/bProcess3"/>
+    <dgm:cxn modelId="{8AF81458-7BD5-4633-9C2F-433ED16D2789}" type="presOf" srcId="{5CABB83A-7A03-4430-882A-B553D1A82F3B}" destId="{73E7C563-47E6-4E29-8C16-9BF3FACD7F21}" srcOrd="0" destOrd="0" presId="urn:microsoft.com/office/officeart/2005/8/layout/bProcess3"/>
+    <dgm:cxn modelId="{2AA9F41F-E514-4557-9250-5E853566A4FA}" srcId="{99B26707-31D8-4214-A522-80556394F47E}" destId="{9C8473A9-2430-46B6-B2E6-BB8B9A0D1DB3}" srcOrd="1" destOrd="0" parTransId="{00ACC593-6BFD-4348-BDDD-E4B54442B7DF}" sibTransId="{7A3BD20A-E592-4C68-88F1-1FD4E3108436}"/>
+    <dgm:cxn modelId="{53CD65EB-8C27-49AA-B4CD-F918A229C9D4}" type="presOf" srcId="{7A3BD20A-E592-4C68-88F1-1FD4E3108436}" destId="{40FA0676-6649-4395-B3F4-5A61669F7078}" srcOrd="1" destOrd="0" presId="urn:microsoft.com/office/officeart/2005/8/layout/bProcess3"/>
+    <dgm:cxn modelId="{6B243D80-6219-404B-9799-718EC3A95BE8}" type="presOf" srcId="{9C8473A9-2430-46B6-B2E6-BB8B9A0D1DB3}" destId="{F2E18EFB-BFDB-4693-AE29-75EFF15FAD28}" srcOrd="0" destOrd="0" presId="urn:microsoft.com/office/officeart/2005/8/layout/bProcess3"/>
     <dgm:cxn modelId="{C67EBD06-6690-4EAE-AF00-22E1F3645B64}" type="presOf" srcId="{0FA896DE-97B8-4E61-9DFE-FA027C72CB80}" destId="{BFD9C7CA-BB05-46D1-A069-7ADF003A271C}" srcOrd="0" destOrd="0" presId="urn:microsoft.com/office/officeart/2005/8/layout/bProcess3"/>
-    <dgm:cxn modelId="{1D3A4CA3-F137-442C-924E-B5738F7FB72F}" type="presOf" srcId="{7A3BD20A-E592-4C68-88F1-1FD4E3108436}" destId="{52940AAF-0B1A-4860-95A2-4A944699C34B}" srcOrd="0" destOrd="0" presId="urn:microsoft.com/office/officeart/2005/8/layout/bProcess3"/>
-    <dgm:cxn modelId="{2AA9F41F-E514-4557-9250-5E853566A4FA}" srcId="{99B26707-31D8-4214-A522-80556394F47E}" destId="{9C8473A9-2430-46B6-B2E6-BB8B9A0D1DB3}" srcOrd="1" destOrd="0" parTransId="{00ACC593-6BFD-4348-BDDD-E4B54442B7DF}" sibTransId="{7A3BD20A-E592-4C68-88F1-1FD4E3108436}"/>
-    <dgm:cxn modelId="{DB64559F-7407-4C0F-A137-18C25B4AC3B3}" srcId="{99B26707-31D8-4214-A522-80556394F47E}" destId="{894B69DF-5858-4418-8FB2-92F2EB13ADFE}" srcOrd="0" destOrd="0" parTransId="{74DA0AD8-6F4E-4DA6-BB20-8C1B9E891062}" sibTransId="{4BC8FC8F-3D79-450E-9D5D-58CA9BC65A9F}"/>
+    <dgm:cxn modelId="{346AFC00-3D5C-48F4-95A4-AD3421C8B109}" type="presOf" srcId="{537F3B65-B34A-4CDB-8C2E-11555BA04E51}" destId="{80402237-CD6E-4594-9C47-C97063EA3F24}" srcOrd="0" destOrd="0" presId="urn:microsoft.com/office/officeart/2005/8/layout/bProcess3"/>
     <dgm:cxn modelId="{D39A81E3-9483-4600-80E6-579EE29D461D}" type="presOf" srcId="{5CABB83A-7A03-4430-882A-B553D1A82F3B}" destId="{E616A689-8A36-4F13-8634-33BD6805524F}" srcOrd="1" destOrd="0" presId="urn:microsoft.com/office/officeart/2005/8/layout/bProcess3"/>
-    <dgm:cxn modelId="{53CD65EB-8C27-49AA-B4CD-F918A229C9D4}" type="presOf" srcId="{7A3BD20A-E592-4C68-88F1-1FD4E3108436}" destId="{40FA0676-6649-4395-B3F4-5A61669F7078}" srcOrd="1" destOrd="0" presId="urn:microsoft.com/office/officeart/2005/8/layout/bProcess3"/>
-    <dgm:cxn modelId="{70C75F8A-4D6E-4992-B9EA-BAE7A4CFB289}" type="presOf" srcId="{4BC8FC8F-3D79-450E-9D5D-58CA9BC65A9F}" destId="{5FAFD28F-D259-4857-9749-C81053DE18F7}" srcOrd="0" destOrd="0" presId="urn:microsoft.com/office/officeart/2005/8/layout/bProcess3"/>
-    <dgm:cxn modelId="{346AFC00-3D5C-48F4-95A4-AD3421C8B109}" type="presOf" srcId="{537F3B65-B34A-4CDB-8C2E-11555BA04E51}" destId="{80402237-CD6E-4594-9C47-C97063EA3F24}" srcOrd="0" destOrd="0" presId="urn:microsoft.com/office/officeart/2005/8/layout/bProcess3"/>
-    <dgm:cxn modelId="{8AF81458-7BD5-4633-9C2F-433ED16D2789}" type="presOf" srcId="{5CABB83A-7A03-4430-882A-B553D1A82F3B}" destId="{73E7C563-47E6-4E29-8C16-9BF3FACD7F21}" srcOrd="0" destOrd="0" presId="urn:microsoft.com/office/officeart/2005/8/layout/bProcess3"/>
-    <dgm:cxn modelId="{6B243D80-6219-404B-9799-718EC3A95BE8}" type="presOf" srcId="{9C8473A9-2430-46B6-B2E6-BB8B9A0D1DB3}" destId="{F2E18EFB-BFDB-4693-AE29-75EFF15FAD28}" srcOrd="0" destOrd="0" presId="urn:microsoft.com/office/officeart/2005/8/layout/bProcess3"/>
     <dgm:cxn modelId="{5E2D22EC-70EC-4DD3-BA21-ED201928CF55}" srcId="{99B26707-31D8-4214-A522-80556394F47E}" destId="{537F3B65-B34A-4CDB-8C2E-11555BA04E51}" srcOrd="3" destOrd="0" parTransId="{AB2D6960-252D-40A4-8A80-1D6F315C8305}" sibTransId="{5673EB6D-0209-4CF0-AF25-4A3B474EB391}"/>
     <dgm:cxn modelId="{D830E8DD-7B1D-4714-ABBA-DEDEF37E5241}" type="presOf" srcId="{894B69DF-5858-4418-8FB2-92F2EB13ADFE}" destId="{2449C19F-6BFE-48E8-BA7E-53F81D55BAE7}" srcOrd="0" destOrd="0" presId="urn:microsoft.com/office/officeart/2005/8/layout/bProcess3"/>
-    <dgm:cxn modelId="{B186D0DB-3747-46B7-978F-2B0BB7FC769B}" srcId="{99B26707-31D8-4214-A522-80556394F47E}" destId="{0FA896DE-97B8-4E61-9DFE-FA027C72CB80}" srcOrd="2" destOrd="0" parTransId="{59E4DBCA-DE41-4190-9B6B-7F303F497BBB}" sibTransId="{5CABB83A-7A03-4430-882A-B553D1A82F3B}"/>
     <dgm:cxn modelId="{A1BD003C-2D14-480C-88A0-57DF3F4B5F61}" type="presParOf" srcId="{5039619F-86EE-46B0-A4E5-89E4F555EB4A}" destId="{2449C19F-6BFE-48E8-BA7E-53F81D55BAE7}" srcOrd="0" destOrd="0" presId="urn:microsoft.com/office/officeart/2005/8/layout/bProcess3"/>
     <dgm:cxn modelId="{7066AA83-4948-43BE-A1BC-E7065E8F06DF}" type="presParOf" srcId="{5039619F-86EE-46B0-A4E5-89E4F555EB4A}" destId="{5FAFD28F-D259-4857-9749-C81053DE18F7}" srcOrd="1" destOrd="0" presId="urn:microsoft.com/office/officeart/2005/8/layout/bProcess3"/>
     <dgm:cxn modelId="{9AB6DA4E-E3F3-4F1B-9305-8B44B229D279}" type="presParOf" srcId="{5FAFD28F-D259-4857-9749-C81053DE18F7}" destId="{5B03B2C9-1972-4DB1-BC04-8E0615072E72}" srcOrd="0" destOrd="0" presId="urn:microsoft.com/office/officeart/2005/8/layout/bProcess3"/>
@@ -10131,7 +10295,7 @@
           <a:p>
             <a:fld id="{530820CF-B880-4189-942D-D702A7CBA730}" type="datetimeFigureOut">
               <a:rPr lang="zh-CN" altLang="en-US" smtClean="0"/>
-              <a:t>2012/12/18</a:t>
+              <a:t>2012/12/19</a:t>
             </a:fld>
             <a:endParaRPr lang="zh-CN" altLang="en-US"/>
           </a:p>
@@ -10296,7 +10460,7 @@
           <a:p>
             <a:fld id="{530820CF-B880-4189-942D-D702A7CBA730}" type="datetimeFigureOut">
               <a:rPr lang="zh-CN" altLang="en-US" smtClean="0"/>
-              <a:t>2012/12/18</a:t>
+              <a:t>2012/12/19</a:t>
             </a:fld>
             <a:endParaRPr lang="zh-CN" altLang="en-US"/>
           </a:p>
@@ -10471,7 +10635,7 @@
           <a:p>
             <a:fld id="{530820CF-B880-4189-942D-D702A7CBA730}" type="datetimeFigureOut">
               <a:rPr lang="zh-CN" altLang="en-US" smtClean="0"/>
-              <a:t>2012/12/18</a:t>
+              <a:t>2012/12/19</a:t>
             </a:fld>
             <a:endParaRPr lang="zh-CN" altLang="en-US"/>
           </a:p>
@@ -10640,7 +10804,7 @@
           <a:p>
             <a:fld id="{530820CF-B880-4189-942D-D702A7CBA730}" type="datetimeFigureOut">
               <a:rPr lang="zh-CN" altLang="en-US" smtClean="0"/>
-              <a:t>2012/12/18</a:t>
+              <a:t>2012/12/19</a:t>
             </a:fld>
             <a:endParaRPr lang="zh-CN" altLang="en-US"/>
           </a:p>
@@ -11095,7 +11259,7 @@
           <a:p>
             <a:fld id="{530820CF-B880-4189-942D-D702A7CBA730}" type="datetimeFigureOut">
               <a:rPr lang="zh-CN" altLang="en-US" smtClean="0"/>
-              <a:t>2012/12/18</a:t>
+              <a:t>2012/12/19</a:t>
             </a:fld>
             <a:endParaRPr lang="zh-CN" altLang="en-US"/>
           </a:p>
@@ -11359,7 +11523,7 @@
           <a:p>
             <a:fld id="{530820CF-B880-4189-942D-D702A7CBA730}" type="datetimeFigureOut">
               <a:rPr lang="zh-CN" altLang="en-US" smtClean="0"/>
-              <a:t>2012/12/18</a:t>
+              <a:t>2012/12/19</a:t>
             </a:fld>
             <a:endParaRPr lang="zh-CN" altLang="en-US"/>
           </a:p>
@@ -11733,7 +11897,7 @@
           <a:p>
             <a:fld id="{530820CF-B880-4189-942D-D702A7CBA730}" type="datetimeFigureOut">
               <a:rPr lang="zh-CN" altLang="en-US" smtClean="0"/>
-              <a:t>2012/12/18</a:t>
+              <a:t>2012/12/19</a:t>
             </a:fld>
             <a:endParaRPr lang="zh-CN" altLang="en-US"/>
           </a:p>
@@ -11855,7 +12019,7 @@
           <a:p>
             <a:fld id="{530820CF-B880-4189-942D-D702A7CBA730}" type="datetimeFigureOut">
               <a:rPr lang="zh-CN" altLang="en-US" smtClean="0"/>
-              <a:t>2012/12/18</a:t>
+              <a:t>2012/12/19</a:t>
             </a:fld>
             <a:endParaRPr lang="zh-CN" altLang="en-US"/>
           </a:p>
@@ -11945,7 +12109,7 @@
           <a:p>
             <a:fld id="{530820CF-B880-4189-942D-D702A7CBA730}" type="datetimeFigureOut">
               <a:rPr lang="zh-CN" altLang="en-US" smtClean="0"/>
-              <a:t>2012/12/18</a:t>
+              <a:t>2012/12/19</a:t>
             </a:fld>
             <a:endParaRPr lang="zh-CN" altLang="en-US"/>
           </a:p>
@@ -12194,7 +12358,7 @@
           <a:p>
             <a:fld id="{530820CF-B880-4189-942D-D702A7CBA730}" type="datetimeFigureOut">
               <a:rPr lang="zh-CN" altLang="en-US" smtClean="0"/>
-              <a:t>2012/12/18</a:t>
+              <a:t>2012/12/19</a:t>
             </a:fld>
             <a:endParaRPr lang="zh-CN" altLang="en-US"/>
           </a:p>
@@ -12453,7 +12617,7 @@
           <a:p>
             <a:fld id="{530820CF-B880-4189-942D-D702A7CBA730}" type="datetimeFigureOut">
               <a:rPr lang="zh-CN" altLang="en-US" smtClean="0"/>
-              <a:t>2012/12/18</a:t>
+              <a:t>2012/12/19</a:t>
             </a:fld>
             <a:endParaRPr lang="zh-CN" altLang="en-US"/>
           </a:p>
@@ -12857,7 +13021,7 @@
           <a:p>
             <a:fld id="{530820CF-B880-4189-942D-D702A7CBA730}" type="datetimeFigureOut">
               <a:rPr lang="zh-CN" altLang="en-US" smtClean="0"/>
-              <a:t>2012/12/18</a:t>
+              <a:t>2012/12/19</a:t>
             </a:fld>
             <a:endParaRPr lang="zh-CN" altLang="en-US"/>
           </a:p>
@@ -13294,7 +13458,6 @@
               <a:rPr lang="zh-CN" altLang="en-US" sz="2200" dirty="0"/>
               <a:t>曈</a:t>
             </a:r>
-            <a:endParaRPr lang="zh-CN" altLang="en-US" sz="2200" dirty="0"/>
           </a:p>
         </p:txBody>
       </p:sp>
@@ -13333,6 +13496,18 @@
   <p:clrMapOvr>
     <a:masterClrMapping/>
   </p:clrMapOvr>
+  <mc:AlternateContent xmlns:mc="http://schemas.openxmlformats.org/markup-compatibility/2006">
+    <mc:Choice xmlns:p14="http://schemas.microsoft.com/office/powerpoint/2010/main" Requires="p14">
+      <p:transition p14:dur="100">
+        <p:cut/>
+      </p:transition>
+    </mc:Choice>
+    <mc:Fallback>
+      <p:transition>
+        <p:cut/>
+      </p:transition>
+    </mc:Fallback>
+  </mc:AlternateContent>
   <p:timing>
     <p:tnLst>
       <p:par>
@@ -13376,6 +13551,433 @@
           <a:lstStyle/>
           <a:p>
             <a:r>
+              <a:rPr lang="en-US" altLang="zh-CN" dirty="0" smtClean="0"/>
+              <a:t>800C</a:t>
+            </a:r>
+            <a:r>
+              <a:rPr lang="zh-CN" altLang="en-US" dirty="0" smtClean="0"/>
+              <a:t>平台</a:t>
+            </a:r>
+            <a:endParaRPr lang="zh-CN" altLang="en-US" dirty="0"/>
+          </a:p>
+        </p:txBody>
+      </p:sp>
+      <p:sp>
+        <p:nvSpPr>
+          <p:cNvPr id="3" name="内容占位符 2"/>
+          <p:cNvSpPr>
+            <a:spLocks noGrp="1"/>
+          </p:cNvSpPr>
+          <p:nvPr>
+            <p:ph idx="1"/>
+          </p:nvPr>
+        </p:nvSpPr>
+        <p:spPr/>
+        <p:txBody>
+          <a:bodyPr>
+            <a:normAutofit/>
+          </a:bodyPr>
+          <a:lstStyle/>
+          <a:p>
+            <a:r>
+              <a:rPr lang="en-US" altLang="zh-CN" sz="2000" dirty="0" smtClean="0"/>
+              <a:t>2</a:t>
+            </a:r>
+            <a:r>
+              <a:rPr lang="zh-CN" altLang="en-US" sz="2000" dirty="0" smtClean="0"/>
+              <a:t>、修改</a:t>
+            </a:r>
+            <a:r>
+              <a:rPr lang="en-US" altLang="zh-CN" sz="2000" dirty="0" smtClean="0"/>
+              <a:t>SurfaceFlinger.cpp</a:t>
+            </a:r>
+            <a:r>
+              <a:rPr lang="zh-CN" altLang="en-US" sz="2000" dirty="0" smtClean="0"/>
+              <a:t>，开始播放</a:t>
+            </a:r>
+            <a:r>
+              <a:rPr lang="en-US" altLang="zh-CN" sz="2000" dirty="0" err="1" smtClean="0"/>
+              <a:t>bootanimation</a:t>
+            </a:r>
+            <a:r>
+              <a:rPr lang="zh-CN" altLang="en-US" sz="2000" dirty="0" smtClean="0"/>
+              <a:t>时执行服务，结束时关闭</a:t>
+            </a:r>
+            <a:endParaRPr lang="en-US" altLang="zh-CN" sz="2000" dirty="0" smtClean="0"/>
+          </a:p>
+          <a:p>
+            <a:r>
+              <a:rPr lang="en-US" altLang="zh-CN" sz="2000" dirty="0" err="1"/>
+              <a:t>status_t</a:t>
+            </a:r>
+            <a:r>
+              <a:rPr lang="en-US" altLang="zh-CN" sz="2000" dirty="0"/>
+              <a:t> </a:t>
+            </a:r>
+            <a:r>
+              <a:rPr lang="en-US" altLang="zh-CN" sz="2000" dirty="0" err="1"/>
+              <a:t>SurfaceFlinger</a:t>
+            </a:r>
+            <a:r>
+              <a:rPr lang="en-US" altLang="zh-CN" sz="2000" dirty="0"/>
+              <a:t>::</a:t>
+            </a:r>
+            <a:r>
+              <a:rPr lang="en-US" altLang="zh-CN" sz="2000" dirty="0" err="1"/>
+              <a:t>readyToRun</a:t>
+            </a:r>
+            <a:r>
+              <a:rPr lang="en-US" altLang="zh-CN" sz="2000" dirty="0" smtClean="0"/>
+              <a:t>()</a:t>
+            </a:r>
+          </a:p>
+          <a:p>
+            <a:r>
+              <a:rPr lang="en-US" altLang="zh-CN" sz="2000" dirty="0"/>
+              <a:t> </a:t>
+            </a:r>
+            <a:r>
+              <a:rPr lang="en-US" altLang="zh-CN" sz="2000" dirty="0" err="1"/>
+              <a:t>property_set</a:t>
+            </a:r>
+            <a:r>
+              <a:rPr lang="en-US" altLang="zh-CN" sz="2000" dirty="0"/>
+              <a:t>("</a:t>
+            </a:r>
+            <a:r>
+              <a:rPr lang="en-US" altLang="zh-CN" sz="2000" dirty="0" err="1"/>
+              <a:t>ctl.start</a:t>
+            </a:r>
+            <a:r>
+              <a:rPr lang="en-US" altLang="zh-CN" sz="2000" dirty="0"/>
+              <a:t>", "</a:t>
+            </a:r>
+            <a:r>
+              <a:rPr lang="en-US" altLang="zh-CN" sz="2000" dirty="0" err="1" smtClean="0"/>
+              <a:t>bootmusic</a:t>
+            </a:r>
+            <a:r>
+              <a:rPr lang="en-US" altLang="zh-CN" sz="2000" dirty="0" smtClean="0"/>
+              <a:t>");</a:t>
+            </a:r>
+          </a:p>
+          <a:p>
+            <a:r>
+              <a:rPr lang="en-US" altLang="zh-CN" sz="2000" dirty="0"/>
+              <a:t>void </a:t>
+            </a:r>
+            <a:r>
+              <a:rPr lang="en-US" altLang="zh-CN" sz="2000" dirty="0" err="1"/>
+              <a:t>SurfaceFlinger</a:t>
+            </a:r>
+            <a:r>
+              <a:rPr lang="en-US" altLang="zh-CN" sz="2000" dirty="0"/>
+              <a:t>::</a:t>
+            </a:r>
+            <a:r>
+              <a:rPr lang="en-US" altLang="zh-CN" sz="2000" dirty="0" err="1"/>
+              <a:t>bootFinished</a:t>
+            </a:r>
+            <a:r>
+              <a:rPr lang="en-US" altLang="zh-CN" sz="2000" dirty="0" smtClean="0"/>
+              <a:t>()</a:t>
+            </a:r>
+          </a:p>
+          <a:p>
+            <a:r>
+              <a:rPr lang="en-US" altLang="zh-CN" sz="2000" dirty="0"/>
+              <a:t> </a:t>
+            </a:r>
+            <a:r>
+              <a:rPr lang="en-US" altLang="zh-CN" sz="2000" dirty="0" err="1"/>
+              <a:t>property_set</a:t>
+            </a:r>
+            <a:r>
+              <a:rPr lang="en-US" altLang="zh-CN" sz="2000" dirty="0"/>
+              <a:t>("</a:t>
+            </a:r>
+            <a:r>
+              <a:rPr lang="en-US" altLang="zh-CN" sz="2000" dirty="0" err="1"/>
+              <a:t>ctl.stop</a:t>
+            </a:r>
+            <a:r>
+              <a:rPr lang="en-US" altLang="zh-CN" sz="2000" dirty="0"/>
+              <a:t>", </a:t>
+            </a:r>
+            <a:r>
+              <a:rPr lang="en-US" altLang="zh-CN" sz="2000" dirty="0" smtClean="0"/>
+              <a:t>"</a:t>
+            </a:r>
+            <a:r>
+              <a:rPr lang="en-US" altLang="zh-CN" sz="2000" dirty="0"/>
+              <a:t> </a:t>
+            </a:r>
+            <a:r>
+              <a:rPr lang="en-US" altLang="zh-CN" sz="2000" dirty="0" err="1"/>
+              <a:t>bootmusic</a:t>
+            </a:r>
+            <a:r>
+              <a:rPr lang="en-US" altLang="zh-CN" sz="2000" dirty="0"/>
+              <a:t> </a:t>
+            </a:r>
+            <a:r>
+              <a:rPr lang="en-US" altLang="zh-CN" sz="2000" dirty="0" smtClean="0"/>
+              <a:t>");</a:t>
+            </a:r>
+            <a:endParaRPr lang="zh-CN" altLang="en-US" sz="2000" dirty="0"/>
+          </a:p>
+        </p:txBody>
+      </p:sp>
+    </p:spTree>
+    <p:extLst>
+      <p:ext uri="{BB962C8B-B14F-4D97-AF65-F5344CB8AC3E}">
+        <p14:creationId xmlns:p14="http://schemas.microsoft.com/office/powerpoint/2010/main" val="714564701"/>
+      </p:ext>
+    </p:extLst>
+  </p:cSld>
+  <p:clrMapOvr>
+    <a:masterClrMapping/>
+  </p:clrMapOvr>
+  <p:timing>
+    <p:tnLst>
+      <p:par>
+        <p:cTn id="1" dur="indefinite" restart="never" nodeType="tmRoot"/>
+      </p:par>
+    </p:tnLst>
+  </p:timing>
+</p:sld>
+</file>
+
+<file path=ppt/slides/slide11.xml><?xml version="1.0" encoding="utf-8"?>
+<p:sld xmlns:a="http://schemas.openxmlformats.org/drawingml/2006/main" xmlns:r="http://schemas.openxmlformats.org/officeDocument/2006/relationships" xmlns:p="http://schemas.openxmlformats.org/presentationml/2006/main">
+  <p:cSld>
+    <p:spTree>
+      <p:nvGrpSpPr>
+        <p:cNvPr id="1" name=""/>
+        <p:cNvGrpSpPr/>
+        <p:nvPr/>
+      </p:nvGrpSpPr>
+      <p:grpSpPr>
+        <a:xfrm>
+          <a:off x="0" y="0"/>
+          <a:ext cx="0" cy="0"/>
+          <a:chOff x="0" y="0"/>
+          <a:chExt cx="0" cy="0"/>
+        </a:xfrm>
+      </p:grpSpPr>
+      <p:sp>
+        <p:nvSpPr>
+          <p:cNvPr id="2" name="标题 1"/>
+          <p:cNvSpPr>
+            <a:spLocks noGrp="1"/>
+          </p:cNvSpPr>
+          <p:nvPr>
+            <p:ph type="title"/>
+          </p:nvPr>
+        </p:nvSpPr>
+        <p:spPr/>
+        <p:txBody>
+          <a:bodyPr/>
+          <a:lstStyle/>
+          <a:p>
+            <a:r>
+              <a:rPr lang="zh-CN" altLang="en-US" dirty="0" smtClean="0"/>
+              <a:t>机型软件</a:t>
+            </a:r>
+            <a:endParaRPr lang="zh-CN" altLang="en-US" dirty="0"/>
+          </a:p>
+        </p:txBody>
+      </p:sp>
+      <p:graphicFrame>
+        <p:nvGraphicFramePr>
+          <p:cNvPr id="4" name="内容占位符 3"/>
+          <p:cNvGraphicFramePr>
+            <a:graphicFrameLocks noGrp="1"/>
+          </p:cNvGraphicFramePr>
+          <p:nvPr>
+            <p:ph idx="1"/>
+            <p:extLst>
+              <p:ext uri="{D42A27DB-BD31-4B8C-83A1-F6EECF244321}">
+                <p14:modId xmlns:p14="http://schemas.microsoft.com/office/powerpoint/2010/main" val="1489221925"/>
+              </p:ext>
+            </p:extLst>
+          </p:nvPr>
+        </p:nvGraphicFramePr>
+        <p:xfrm>
+          <a:off x="457200" y="1600200"/>
+          <a:ext cx="7467600" cy="4525963"/>
+        </p:xfrm>
+        <a:graphic>
+          <a:graphicData uri="http://schemas.openxmlformats.org/drawingml/2006/diagram">
+            <dgm:relIds xmlns:dgm="http://schemas.openxmlformats.org/drawingml/2006/diagram" xmlns:r="http://schemas.openxmlformats.org/officeDocument/2006/relationships" r:dm="rId2" r:lo="rId3" r:qs="rId4" r:cs="rId5"/>
+          </a:graphicData>
+        </a:graphic>
+      </p:graphicFrame>
+    </p:spTree>
+    <p:extLst>
+      <p:ext uri="{BB962C8B-B14F-4D97-AF65-F5344CB8AC3E}">
+        <p14:creationId xmlns:p14="http://schemas.microsoft.com/office/powerpoint/2010/main" val="217030942"/>
+      </p:ext>
+    </p:extLst>
+  </p:cSld>
+  <p:clrMapOvr>
+    <a:masterClrMapping/>
+  </p:clrMapOvr>
+  <p:timing>
+    <p:tnLst>
+      <p:par>
+        <p:cTn id="1" dur="indefinite" restart="never" nodeType="tmRoot"/>
+      </p:par>
+    </p:tnLst>
+  </p:timing>
+</p:sld>
+</file>
+
+<file path=ppt/slides/slide12.xml><?xml version="1.0" encoding="utf-8"?>
+<p:sld xmlns:a="http://schemas.openxmlformats.org/drawingml/2006/main" xmlns:r="http://schemas.openxmlformats.org/officeDocument/2006/relationships" xmlns:p="http://schemas.openxmlformats.org/presentationml/2006/main">
+  <p:cSld>
+    <p:spTree>
+      <p:nvGrpSpPr>
+        <p:cNvPr id="1" name=""/>
+        <p:cNvGrpSpPr/>
+        <p:nvPr/>
+      </p:nvGrpSpPr>
+      <p:grpSpPr>
+        <a:xfrm>
+          <a:off x="0" y="0"/>
+          <a:ext cx="0" cy="0"/>
+          <a:chOff x="0" y="0"/>
+          <a:chExt cx="0" cy="0"/>
+        </a:xfrm>
+      </p:grpSpPr>
+      <p:sp>
+        <p:nvSpPr>
+          <p:cNvPr id="2" name="标题 1"/>
+          <p:cNvSpPr>
+            <a:spLocks noGrp="1"/>
+          </p:cNvSpPr>
+          <p:nvPr>
+            <p:ph type="title"/>
+          </p:nvPr>
+        </p:nvSpPr>
+        <p:spPr/>
+        <p:txBody>
+          <a:bodyPr/>
+          <a:lstStyle/>
+          <a:p>
+            <a:r>
+              <a:rPr lang="zh-CN" altLang="en-US" dirty="0" smtClean="0"/>
+              <a:t>机型软件</a:t>
+            </a:r>
+            <a:endParaRPr lang="zh-CN" altLang="en-US" dirty="0"/>
+          </a:p>
+        </p:txBody>
+      </p:sp>
+      <p:sp>
+        <p:nvSpPr>
+          <p:cNvPr id="3" name="内容占位符 2"/>
+          <p:cNvSpPr>
+            <a:spLocks noGrp="1"/>
+          </p:cNvSpPr>
+          <p:nvPr>
+            <p:ph idx="1"/>
+          </p:nvPr>
+        </p:nvSpPr>
+        <p:spPr/>
+        <p:txBody>
+          <a:bodyPr/>
+          <a:lstStyle/>
+          <a:p>
+            <a:r>
+              <a:rPr lang="zh-CN" altLang="en-US" dirty="0"/>
+              <a:t>案例</a:t>
+            </a:r>
+            <a:r>
+              <a:rPr lang="zh-CN" altLang="en-US" dirty="0" smtClean="0"/>
+              <a:t>分享</a:t>
+            </a:r>
+            <a:endParaRPr lang="en-US" altLang="zh-CN" dirty="0" smtClean="0"/>
+          </a:p>
+          <a:p>
+            <a:endParaRPr lang="zh-CN" altLang="en-US" dirty="0"/>
+          </a:p>
+        </p:txBody>
+      </p:sp>
+      <p:graphicFrame>
+        <p:nvGraphicFramePr>
+          <p:cNvPr id="4" name="图示 3"/>
+          <p:cNvGraphicFramePr/>
+          <p:nvPr>
+            <p:extLst>
+              <p:ext uri="{D42A27DB-BD31-4B8C-83A1-F6EECF244321}">
+                <p14:modId xmlns:p14="http://schemas.microsoft.com/office/powerpoint/2010/main" val="1572857973"/>
+              </p:ext>
+            </p:extLst>
+          </p:nvPr>
+        </p:nvGraphicFramePr>
+        <p:xfrm>
+          <a:off x="1547664" y="2276872"/>
+          <a:ext cx="6096000" cy="4064000"/>
+        </p:xfrm>
+        <a:graphic>
+          <a:graphicData uri="http://schemas.openxmlformats.org/drawingml/2006/diagram">
+            <dgm:relIds xmlns:dgm="http://schemas.openxmlformats.org/drawingml/2006/diagram" xmlns:r="http://schemas.openxmlformats.org/officeDocument/2006/relationships" r:dm="rId2" r:lo="rId3" r:qs="rId4" r:cs="rId5"/>
+          </a:graphicData>
+        </a:graphic>
+      </p:graphicFrame>
+    </p:spTree>
+    <p:extLst>
+      <p:ext uri="{BB962C8B-B14F-4D97-AF65-F5344CB8AC3E}">
+        <p14:creationId xmlns:p14="http://schemas.microsoft.com/office/powerpoint/2010/main" val="4086866042"/>
+      </p:ext>
+    </p:extLst>
+  </p:cSld>
+  <p:clrMapOvr>
+    <a:masterClrMapping/>
+  </p:clrMapOvr>
+  <p:timing>
+    <p:tnLst>
+      <p:par>
+        <p:cTn id="1" dur="indefinite" restart="never" nodeType="tmRoot"/>
+      </p:par>
+    </p:tnLst>
+  </p:timing>
+</p:sld>
+</file>
+
+<file path=ppt/slides/slide13.xml><?xml version="1.0" encoding="utf-8"?>
+<p:sld xmlns:a="http://schemas.openxmlformats.org/drawingml/2006/main" xmlns:r="http://schemas.openxmlformats.org/officeDocument/2006/relationships" xmlns:p="http://schemas.openxmlformats.org/presentationml/2006/main">
+  <p:cSld>
+    <p:spTree>
+      <p:nvGrpSpPr>
+        <p:cNvPr id="1" name=""/>
+        <p:cNvGrpSpPr/>
+        <p:nvPr/>
+      </p:nvGrpSpPr>
+      <p:grpSpPr>
+        <a:xfrm>
+          <a:off x="0" y="0"/>
+          <a:ext cx="0" cy="0"/>
+          <a:chOff x="0" y="0"/>
+          <a:chExt cx="0" cy="0"/>
+        </a:xfrm>
+      </p:grpSpPr>
+      <p:sp>
+        <p:nvSpPr>
+          <p:cNvPr id="2" name="标题 1"/>
+          <p:cNvSpPr>
+            <a:spLocks noGrp="1"/>
+          </p:cNvSpPr>
+          <p:nvPr>
+            <p:ph type="title"/>
+          </p:nvPr>
+        </p:nvSpPr>
+        <p:spPr/>
+        <p:txBody>
+          <a:bodyPr/>
+          <a:lstStyle/>
+          <a:p>
+            <a:r>
               <a:rPr lang="zh-CN" altLang="en-US" dirty="0" smtClean="0"/>
               <a:t>机型软件</a:t>
             </a:r>
@@ -13550,7 +14152,7 @@
 </p:sld>
 </file>
 
-<file path=ppt/slides/slide11.xml><?xml version="1.0" encoding="utf-8"?>
+<file path=ppt/slides/slide14.xml><?xml version="1.0" encoding="utf-8"?>
 <p:sld xmlns:a="http://schemas.openxmlformats.org/drawingml/2006/main" xmlns:r="http://schemas.openxmlformats.org/officeDocument/2006/relationships" xmlns:p="http://schemas.openxmlformats.org/presentationml/2006/main">
   <p:cSld>
     <p:spTree>
@@ -15322,11 +15924,7 @@
             </a:r>
             <a:r>
               <a:rPr lang="en-US" altLang="zh-CN" sz="2000" dirty="0" smtClean="0"/>
-              <a:t>-</a:t>
-            </a:r>
-            <a:r>
-              <a:rPr lang="en-US" altLang="zh-CN" sz="2000" dirty="0" smtClean="0"/>
-              <a:t>&gt;</a:t>
+              <a:t>-&gt;</a:t>
             </a:r>
             <a:r>
               <a:rPr lang="en-US" altLang="zh-CN" sz="2000" dirty="0" err="1" smtClean="0"/>
@@ -15449,18 +16047,18 @@
             </a:r>
             <a:r>
               <a:rPr lang="zh-CN" altLang="en-US" sz="2000" dirty="0" smtClean="0"/>
-              <a:t>判断方法不正确</a:t>
+              <a:t>判断方法不</a:t>
+            </a:r>
+            <a:r>
+              <a:rPr lang="zh-CN" altLang="en-US" sz="2000" dirty="0" smtClean="0"/>
+              <a:t>正确</a:t>
             </a:r>
             <a:endParaRPr lang="en-US" altLang="zh-CN" sz="2000" dirty="0" smtClean="0"/>
           </a:p>
           <a:p>
             <a:r>
               <a:rPr lang="zh-CN" altLang="en-US" sz="2000" dirty="0" smtClean="0"/>
-              <a:t>意图赋值却传递</a:t>
-            </a:r>
-            <a:r>
-              <a:rPr lang="zh-CN" altLang="en-US" sz="2000" dirty="0" smtClean="0"/>
-              <a:t>引用</a:t>
+              <a:t>意图赋值却传递引用</a:t>
             </a:r>
             <a:endParaRPr lang="en-US" altLang="zh-CN" sz="2000" dirty="0" smtClean="0"/>
           </a:p>
@@ -15594,6 +16192,70 @@
           </a:extLst>
         </p:spPr>
       </p:pic>
+      <p:pic>
+        <p:nvPicPr>
+          <p:cNvPr id="2051" name="Picture 3"/>
+          <p:cNvPicPr>
+            <a:picLocks noChangeAspect="1" noChangeArrowheads="1"/>
+          </p:cNvPicPr>
+          <p:nvPr/>
+        </p:nvPicPr>
+        <p:blipFill>
+          <a:blip r:embed="rId4">
+            <a:extLst>
+              <a:ext uri="{28A0092B-C50C-407E-A947-70E740481C1C}">
+                <a14:useLocalDpi xmlns:a14="http://schemas.microsoft.com/office/drawing/2010/main" val="0"/>
+              </a:ext>
+            </a:extLst>
+          </a:blip>
+          <a:srcRect/>
+          <a:stretch>
+            <a:fillRect/>
+          </a:stretch>
+        </p:blipFill>
+        <p:spPr bwMode="auto">
+          <a:xfrm>
+            <a:off x="3707904" y="1844824"/>
+            <a:ext cx="4381500" cy="933450"/>
+          </a:xfrm>
+          <a:prstGeom prst="rect">
+            <a:avLst/>
+          </a:prstGeom>
+          <a:noFill/>
+          <a:ln>
+            <a:noFill/>
+          </a:ln>
+          <a:effectLst/>
+          <a:extLst>
+            <a:ext uri="{909E8E84-426E-40DD-AFC4-6F175D3DCCD1}">
+              <a14:hiddenFill xmlns:a14="http://schemas.microsoft.com/office/drawing/2010/main">
+                <a:solidFill>
+                  <a:schemeClr val="accent1"/>
+                </a:solidFill>
+              </a14:hiddenFill>
+            </a:ext>
+            <a:ext uri="{91240B29-F687-4F45-9708-019B960494DF}">
+              <a14:hiddenLine xmlns:a14="http://schemas.microsoft.com/office/drawing/2010/main" w="9525">
+                <a:solidFill>
+                  <a:schemeClr val="tx1"/>
+                </a:solidFill>
+                <a:miter lim="800000"/>
+                <a:headEnd/>
+                <a:tailEnd/>
+              </a14:hiddenLine>
+            </a:ext>
+            <a:ext uri="{AF507438-7753-43E0-B8FC-AC1667EBCBE1}">
+              <a14:hiddenEffects xmlns:a14="http://schemas.microsoft.com/office/drawing/2010/main">
+                <a:effectLst>
+                  <a:outerShdw dist="35921" dir="2700000" algn="ctr" rotWithShape="0">
+                    <a:schemeClr val="bg2"/>
+                  </a:outerShdw>
+                </a:effectLst>
+              </a14:hiddenEffects>
+            </a:ext>
+          </a:extLst>
+        </p:spPr>
+      </p:pic>
     </p:spTree>
     <p:extLst>
       <p:ext uri="{BB962C8B-B14F-4D97-AF65-F5344CB8AC3E}">
@@ -15690,30 +16352,26 @@
             </a:r>
             <a:r>
               <a:rPr lang="zh-CN" altLang="en-US" sz="2000" dirty="0" smtClean="0"/>
-              <a:t>，即</a:t>
-            </a:r>
-            <a:r>
-              <a:rPr lang="en-US" altLang="zh-CN" sz="2000" dirty="0" smtClean="0"/>
-              <a:t>Android</a:t>
+              <a:t>时</a:t>
             </a:r>
             <a:r>
               <a:rPr lang="zh-CN" altLang="en-US" sz="2000" dirty="0" smtClean="0"/>
-              <a:t>打出的</a:t>
-            </a:r>
-            <a:r>
-              <a:rPr lang="en-US" altLang="zh-CN" sz="2000" dirty="0" smtClean="0"/>
-              <a:t>LOGO</a:t>
+              <a:t>播放音乐，未果</a:t>
             </a:r>
             <a:r>
               <a:rPr lang="zh-CN" altLang="en-US" sz="2000" dirty="0" smtClean="0"/>
-              <a:t>时播放音乐，未果。尝试如下。</a:t>
+              <a:t>。尝试如下</a:t>
+            </a:r>
+            <a:r>
+              <a:rPr lang="zh-CN" altLang="en-US" sz="2000" dirty="0" smtClean="0"/>
+              <a:t>。</a:t>
             </a:r>
             <a:endParaRPr lang="en-US" altLang="zh-CN" sz="2000" dirty="0" smtClean="0"/>
           </a:p>
           <a:p>
             <a:r>
               <a:rPr lang="zh-CN" altLang="en-US" sz="2000" dirty="0" smtClean="0"/>
-              <a:t>修改</a:t>
+              <a:t>方法一，修改</a:t>
             </a:r>
             <a:r>
               <a:rPr lang="en-US" altLang="zh-CN" sz="2000" dirty="0" err="1" smtClean="0"/>
@@ -15721,49 +16379,99 @@
             </a:r>
             <a:r>
               <a:rPr lang="zh-CN" altLang="en-US" sz="2000" dirty="0" smtClean="0"/>
-              <a:t>，加播放音乐代码，无声。</a:t>
+              <a:t>，加播放音乐</a:t>
+            </a:r>
+            <a:r>
+              <a:rPr lang="zh-CN" altLang="en-US" sz="2000" dirty="0" smtClean="0"/>
+              <a:t>代码。主要分两步。</a:t>
             </a:r>
             <a:endParaRPr lang="en-US" altLang="zh-CN" sz="2000" dirty="0" smtClean="0"/>
           </a:p>
           <a:p>
             <a:r>
+              <a:rPr lang="en-US" altLang="zh-CN" sz="2000" dirty="0" smtClean="0"/>
+              <a:t>1</a:t>
+            </a:r>
+            <a:r>
               <a:rPr lang="zh-CN" altLang="en-US" sz="2000" dirty="0" smtClean="0"/>
-              <a:t>修改</a:t>
+              <a:t>、修改</a:t>
             </a:r>
             <a:r>
               <a:rPr lang="en-US" altLang="zh-CN" sz="2000" dirty="0" err="1" smtClean="0"/>
-              <a:t>SurfaceFlinger</a:t>
+              <a:t>BootAnimation</a:t>
             </a:r>
             <a:r>
               <a:rPr lang="zh-CN" altLang="en-US" sz="2000" dirty="0" smtClean="0"/>
-              <a:t>及</a:t>
-            </a:r>
-            <a:r>
-              <a:rPr lang="en-US" altLang="zh-CN" sz="2000" dirty="0" err="1" smtClean="0"/>
-              <a:t>init.rc</a:t>
-            </a:r>
-            <a:r>
-              <a:rPr lang="zh-CN" altLang="en-US" sz="2000" dirty="0" smtClean="0"/>
-              <a:t>，开机时运行播放音乐脚本，无声。</a:t>
+              <a:t>，加入播放逻辑</a:t>
             </a:r>
             <a:endParaRPr lang="en-US" altLang="zh-CN" sz="2000" dirty="0" smtClean="0"/>
-          </a:p>
-          <a:p>
-            <a:r>
-              <a:rPr lang="zh-CN" altLang="en-US" sz="2000" dirty="0"/>
-              <a:t>开机</a:t>
-            </a:r>
-            <a:r>
-              <a:rPr lang="zh-CN" altLang="en-US" sz="2000" dirty="0" smtClean="0"/>
-              <a:t>后运行均有声音。</a:t>
-            </a:r>
-            <a:endParaRPr lang="en-US" altLang="zh-CN" sz="2000" dirty="0" smtClean="0"/>
-          </a:p>
-          <a:p>
-            <a:endParaRPr lang="zh-CN" altLang="en-US" sz="2000" dirty="0"/>
           </a:p>
         </p:txBody>
       </p:sp>
+      <p:pic>
+        <p:nvPicPr>
+          <p:cNvPr id="1028" name="Picture 4"/>
+          <p:cNvPicPr>
+            <a:picLocks noChangeAspect="1" noChangeArrowheads="1"/>
+          </p:cNvPicPr>
+          <p:nvPr/>
+        </p:nvPicPr>
+        <p:blipFill>
+          <a:blip r:embed="rId2">
+            <a:extLst>
+              <a:ext uri="{28A0092B-C50C-407E-A947-70E740481C1C}">
+                <a14:useLocalDpi xmlns:a14="http://schemas.microsoft.com/office/drawing/2010/main" val="0"/>
+              </a:ext>
+            </a:extLst>
+          </a:blip>
+          <a:srcRect/>
+          <a:stretch>
+            <a:fillRect/>
+          </a:stretch>
+        </p:blipFill>
+        <p:spPr bwMode="auto">
+          <a:xfrm>
+            <a:off x="2123728" y="3284984"/>
+            <a:ext cx="4183395" cy="3265300"/>
+          </a:xfrm>
+          <a:prstGeom prst="rect">
+            <a:avLst/>
+          </a:prstGeom>
+          <a:noFill/>
+          <a:ln>
+            <a:noFill/>
+          </a:ln>
+          <a:effectLst/>
+          <a:extLst>
+            <a:ext uri="{909E8E84-426E-40DD-AFC4-6F175D3DCCD1}">
+              <a14:hiddenFill xmlns:a14="http://schemas.microsoft.com/office/drawing/2010/main">
+                <a:solidFill>
+                  <a:schemeClr val="accent1"/>
+                </a:solidFill>
+              </a14:hiddenFill>
+            </a:ext>
+            <a:ext uri="{91240B29-F687-4F45-9708-019B960494DF}">
+              <a14:hiddenLine xmlns:a14="http://schemas.microsoft.com/office/drawing/2010/main" w="9525">
+                <a:solidFill>
+                  <a:schemeClr val="tx1"/>
+                </a:solidFill>
+                <a:miter lim="800000"/>
+                <a:headEnd/>
+                <a:tailEnd/>
+              </a14:hiddenLine>
+            </a:ext>
+            <a:ext uri="{AF507438-7753-43E0-B8FC-AC1667EBCBE1}">
+              <a14:hiddenEffects xmlns:a14="http://schemas.microsoft.com/office/drawing/2010/main">
+                <a:effectLst>
+                  <a:outerShdw dist="35921" dir="2700000" algn="ctr" rotWithShape="0">
+                    <a:schemeClr val="bg2"/>
+                  </a:outerShdw>
+                </a:effectLst>
+              </a14:hiddenEffects>
+            </a:ext>
+          </a:extLst>
+        </p:spPr>
+      </p:pic>
     </p:spTree>
     <p:extLst>
       <p:ext uri="{BB962C8B-B14F-4D97-AF65-F5344CB8AC3E}">
@@ -15817,42 +16525,150 @@
           <a:lstStyle/>
           <a:p>
             <a:r>
+              <a:rPr lang="en-US" altLang="zh-CN" dirty="0" smtClean="0"/>
+              <a:t>800C</a:t>
+            </a:r>
+            <a:r>
               <a:rPr lang="zh-CN" altLang="en-US" dirty="0" smtClean="0"/>
-              <a:t>机型软件</a:t>
+              <a:t>平台</a:t>
             </a:r>
             <a:endParaRPr lang="zh-CN" altLang="en-US" dirty="0"/>
           </a:p>
         </p:txBody>
       </p:sp>
-      <p:graphicFrame>
-        <p:nvGraphicFramePr>
-          <p:cNvPr id="4" name="内容占位符 3"/>
-          <p:cNvGraphicFramePr>
-            <a:graphicFrameLocks noGrp="1"/>
-          </p:cNvGraphicFramePr>
+      <p:sp>
+        <p:nvSpPr>
+          <p:cNvPr id="5" name="内容占位符 4"/>
+          <p:cNvSpPr>
+            <a:spLocks noGrp="1"/>
+          </p:cNvSpPr>
           <p:nvPr>
             <p:ph idx="1"/>
-            <p:extLst>
-              <p:ext uri="{D42A27DB-BD31-4B8C-83A1-F6EECF244321}">
-                <p14:modId xmlns:p14="http://schemas.microsoft.com/office/powerpoint/2010/main" val="1489221925"/>
-              </p:ext>
-            </p:extLst>
           </p:nvPr>
-        </p:nvGraphicFramePr>
-        <p:xfrm>
-          <a:off x="457200" y="1600200"/>
-          <a:ext cx="7467600" cy="4525963"/>
-        </p:xfrm>
-        <a:graphic>
-          <a:graphicData uri="http://schemas.openxmlformats.org/drawingml/2006/diagram">
-            <dgm:relIds xmlns:dgm="http://schemas.openxmlformats.org/drawingml/2006/diagram" xmlns:r="http://schemas.openxmlformats.org/officeDocument/2006/relationships" r:dm="rId2" r:lo="rId3" r:qs="rId4" r:cs="rId5"/>
-          </a:graphicData>
-        </a:graphic>
-      </p:graphicFrame>
+        </p:nvSpPr>
+        <p:spPr/>
+        <p:txBody>
+          <a:bodyPr>
+            <a:normAutofit/>
+          </a:bodyPr>
+          <a:lstStyle/>
+          <a:p>
+            <a:r>
+              <a:rPr lang="en-US" altLang="zh-CN" sz="2000" dirty="0" smtClean="0"/>
+              <a:t>2</a:t>
+            </a:r>
+            <a:r>
+              <a:rPr lang="zh-CN" altLang="en-US" sz="2000" dirty="0" smtClean="0"/>
+              <a:t>、修改</a:t>
+            </a:r>
+            <a:r>
+              <a:rPr lang="en-US" altLang="zh-CN" sz="2000" dirty="0" err="1" smtClean="0"/>
+              <a:t>AudioPolicyManagerBase.h</a:t>
+            </a:r>
+            <a:r>
+              <a:rPr lang="zh-CN" altLang="en-US" sz="2000" dirty="0" smtClean="0"/>
+              <a:t>中修改音频流中的音频流初始化时的最大</a:t>
+            </a:r>
+            <a:r>
+              <a:rPr lang="zh-CN" altLang="en-US" sz="2000" smtClean="0"/>
+              <a:t>值。</a:t>
+            </a:r>
+            <a:endParaRPr lang="en-US" altLang="zh-CN" sz="2000" dirty="0" smtClean="0"/>
+          </a:p>
+          <a:p>
+            <a:endParaRPr lang="en-US" altLang="zh-CN" sz="2000" dirty="0"/>
+          </a:p>
+          <a:p>
+            <a:endParaRPr lang="en-US" altLang="zh-CN" sz="2000" dirty="0" smtClean="0"/>
+          </a:p>
+          <a:p>
+            <a:endParaRPr lang="en-US" altLang="zh-CN" sz="2000" dirty="0"/>
+          </a:p>
+          <a:p>
+            <a:endParaRPr lang="en-US" altLang="zh-CN" sz="2000" dirty="0" smtClean="0"/>
+          </a:p>
+          <a:p>
+            <a:endParaRPr lang="en-US" altLang="zh-CN" sz="2000" dirty="0"/>
+          </a:p>
+          <a:p>
+            <a:endParaRPr lang="en-US" altLang="zh-CN" sz="2000" dirty="0" smtClean="0"/>
+          </a:p>
+          <a:p>
+            <a:endParaRPr lang="en-US" altLang="zh-CN" sz="2000" dirty="0"/>
+          </a:p>
+          <a:p>
+            <a:endParaRPr lang="zh-CN" altLang="en-US" sz="2000" dirty="0"/>
+          </a:p>
+        </p:txBody>
+      </p:sp>
+      <p:pic>
+        <p:nvPicPr>
+          <p:cNvPr id="3074" name="Picture 2"/>
+          <p:cNvPicPr>
+            <a:picLocks noChangeAspect="1" noChangeArrowheads="1"/>
+          </p:cNvPicPr>
+          <p:nvPr/>
+        </p:nvPicPr>
+        <p:blipFill>
+          <a:blip r:embed="rId2">
+            <a:extLst>
+              <a:ext uri="{28A0092B-C50C-407E-A947-70E740481C1C}">
+                <a14:useLocalDpi xmlns:a14="http://schemas.microsoft.com/office/drawing/2010/main" val="0"/>
+              </a:ext>
+            </a:extLst>
+          </a:blip>
+          <a:srcRect/>
+          <a:stretch>
+            <a:fillRect/>
+          </a:stretch>
+        </p:blipFill>
+        <p:spPr bwMode="auto">
+          <a:xfrm>
+            <a:off x="971600" y="2245359"/>
+            <a:ext cx="5819775" cy="2428875"/>
+          </a:xfrm>
+          <a:prstGeom prst="rect">
+            <a:avLst/>
+          </a:prstGeom>
+          <a:noFill/>
+          <a:ln>
+            <a:noFill/>
+          </a:ln>
+          <a:effectLst/>
+          <a:extLst>
+            <a:ext uri="{909E8E84-426E-40DD-AFC4-6F175D3DCCD1}">
+              <a14:hiddenFill xmlns:a14="http://schemas.microsoft.com/office/drawing/2010/main">
+                <a:solidFill>
+                  <a:schemeClr val="accent1"/>
+                </a:solidFill>
+              </a14:hiddenFill>
+            </a:ext>
+            <a:ext uri="{91240B29-F687-4F45-9708-019B960494DF}">
+              <a14:hiddenLine xmlns:a14="http://schemas.microsoft.com/office/drawing/2010/main" w="9525">
+                <a:solidFill>
+                  <a:schemeClr val="tx1"/>
+                </a:solidFill>
+                <a:miter lim="800000"/>
+                <a:headEnd/>
+                <a:tailEnd/>
+              </a14:hiddenLine>
+            </a:ext>
+            <a:ext uri="{AF507438-7753-43E0-B8FC-AC1667EBCBE1}">
+              <a14:hiddenEffects xmlns:a14="http://schemas.microsoft.com/office/drawing/2010/main">
+                <a:effectLst>
+                  <a:outerShdw dist="35921" dir="2700000" algn="ctr" rotWithShape="0">
+                    <a:schemeClr val="bg2"/>
+                  </a:outerShdw>
+                </a:effectLst>
+              </a14:hiddenEffects>
+            </a:ext>
+          </a:extLst>
+        </p:spPr>
+      </p:pic>
     </p:spTree>
     <p:extLst>
       <p:ext uri="{BB962C8B-B14F-4D97-AF65-F5344CB8AC3E}">
-        <p14:creationId xmlns:p14="http://schemas.microsoft.com/office/powerpoint/2010/main" val="217030942"/>
+        <p14:creationId xmlns:p14="http://schemas.microsoft.com/office/powerpoint/2010/main" val="2316998436"/>
       </p:ext>
     </p:extLst>
   </p:cSld>
@@ -15902,8 +16718,12 @@
           <a:lstStyle/>
           <a:p>
             <a:r>
+              <a:rPr lang="en-US" altLang="zh-CN" dirty="0" smtClean="0"/>
+              <a:t>800C</a:t>
+            </a:r>
+            <a:r>
               <a:rPr lang="zh-CN" altLang="en-US" dirty="0" smtClean="0"/>
-              <a:t>机型软件</a:t>
+              <a:t>平台</a:t>
             </a:r>
             <a:endParaRPr lang="zh-CN" altLang="en-US" dirty="0"/>
           </a:p>
@@ -15921,50 +16741,133 @@
         </p:nvSpPr>
         <p:spPr/>
         <p:txBody>
-          <a:bodyPr/>
+          <a:bodyPr>
+            <a:normAutofit/>
+          </a:bodyPr>
           <a:lstStyle/>
           <a:p>
             <a:r>
-              <a:rPr lang="zh-CN" altLang="en-US" dirty="0"/>
-              <a:t>案例</a:t>
-            </a:r>
-            <a:r>
-              <a:rPr lang="zh-CN" altLang="en-US" dirty="0" smtClean="0"/>
-              <a:t>分享</a:t>
-            </a:r>
-            <a:endParaRPr lang="en-US" altLang="zh-CN" dirty="0" smtClean="0"/>
-          </a:p>
-          <a:p>
-            <a:endParaRPr lang="zh-CN" altLang="en-US" dirty="0"/>
+              <a:rPr lang="zh-CN" altLang="en-US" sz="2000" dirty="0" smtClean="0"/>
+              <a:t>方法二。修改</a:t>
+            </a:r>
+            <a:r>
+              <a:rPr lang="en-US" altLang="zh-CN" sz="2000" dirty="0" err="1" smtClean="0"/>
+              <a:t>init.rc</a:t>
+            </a:r>
+            <a:r>
+              <a:rPr lang="en-US" altLang="zh-CN" sz="2000" dirty="0" smtClean="0"/>
+              <a:t>,</a:t>
+            </a:r>
+            <a:r>
+              <a:rPr lang="zh-CN" altLang="en-US" sz="2000" dirty="0" smtClean="0"/>
+              <a:t>播放</a:t>
+            </a:r>
+            <a:r>
+              <a:rPr lang="en-US" altLang="zh-CN" sz="2000" dirty="0" err="1" smtClean="0"/>
+              <a:t>bootanimation</a:t>
+            </a:r>
+            <a:r>
+              <a:rPr lang="zh-CN" altLang="en-US" sz="2000" dirty="0" smtClean="0"/>
+              <a:t>时执行播放音乐脚本。主要分两步</a:t>
+            </a:r>
+            <a:endParaRPr lang="en-US" altLang="zh-CN" sz="2000" dirty="0" smtClean="0"/>
+          </a:p>
+          <a:p>
+            <a:r>
+              <a:rPr lang="en-US" altLang="zh-CN" sz="2000" dirty="0" smtClean="0"/>
+              <a:t>1</a:t>
+            </a:r>
+            <a:r>
+              <a:rPr lang="zh-CN" altLang="en-US" sz="2000" dirty="0" smtClean="0"/>
+              <a:t>、修改</a:t>
+            </a:r>
+            <a:r>
+              <a:rPr lang="en-US" altLang="zh-CN" sz="2000" dirty="0" err="1" smtClean="0"/>
+              <a:t>init.rc</a:t>
+            </a:r>
+            <a:r>
+              <a:rPr lang="en-US" altLang="zh-CN" sz="2000" dirty="0" smtClean="0"/>
+              <a:t>,</a:t>
+            </a:r>
+            <a:r>
+              <a:rPr lang="zh-CN" altLang="en-US" sz="2000" dirty="0" smtClean="0"/>
+              <a:t>创建脚本</a:t>
+            </a:r>
+            <a:endParaRPr lang="en-US" altLang="zh-CN" sz="2000" dirty="0" smtClean="0"/>
+          </a:p>
+          <a:p>
+            <a:endParaRPr lang="zh-CN" altLang="en-US" sz="2000" dirty="0"/>
           </a:p>
         </p:txBody>
       </p:sp>
-      <p:graphicFrame>
-        <p:nvGraphicFramePr>
-          <p:cNvPr id="4" name="图示 3"/>
-          <p:cNvGraphicFramePr/>
-          <p:nvPr>
-            <p:extLst>
-              <p:ext uri="{D42A27DB-BD31-4B8C-83A1-F6EECF244321}">
-                <p14:modId xmlns:p14="http://schemas.microsoft.com/office/powerpoint/2010/main" val="1572857973"/>
-              </p:ext>
-            </p:extLst>
-          </p:nvPr>
-        </p:nvGraphicFramePr>
-        <p:xfrm>
-          <a:off x="1547664" y="2276872"/>
-          <a:ext cx="6096000" cy="4064000"/>
-        </p:xfrm>
-        <a:graphic>
-          <a:graphicData uri="http://schemas.openxmlformats.org/drawingml/2006/diagram">
-            <dgm:relIds xmlns:dgm="http://schemas.openxmlformats.org/drawingml/2006/diagram" xmlns:r="http://schemas.openxmlformats.org/officeDocument/2006/relationships" r:dm="rId2" r:lo="rId3" r:qs="rId4" r:cs="rId5"/>
-          </a:graphicData>
-        </a:graphic>
-      </p:graphicFrame>
+      <p:pic>
+        <p:nvPicPr>
+          <p:cNvPr id="4098" name="Picture 2"/>
+          <p:cNvPicPr>
+            <a:picLocks noChangeAspect="1" noChangeArrowheads="1"/>
+          </p:cNvPicPr>
+          <p:nvPr/>
+        </p:nvPicPr>
+        <p:blipFill>
+          <a:blip r:embed="rId2">
+            <a:extLst>
+              <a:ext uri="{28A0092B-C50C-407E-A947-70E740481C1C}">
+                <a14:useLocalDpi xmlns:a14="http://schemas.microsoft.com/office/drawing/2010/main" val="0"/>
+              </a:ext>
+            </a:extLst>
+          </a:blip>
+          <a:srcRect/>
+          <a:stretch>
+            <a:fillRect/>
+          </a:stretch>
+        </p:blipFill>
+        <p:spPr bwMode="auto">
+          <a:xfrm>
+            <a:off x="1132094" y="2777474"/>
+            <a:ext cx="5734050" cy="2714625"/>
+          </a:xfrm>
+          <a:prstGeom prst="rect">
+            <a:avLst/>
+          </a:prstGeom>
+          <a:noFill/>
+          <a:ln>
+            <a:noFill/>
+          </a:ln>
+          <a:effectLst/>
+          <a:extLst>
+            <a:ext uri="{909E8E84-426E-40DD-AFC4-6F175D3DCCD1}">
+              <a14:hiddenFill xmlns:a14="http://schemas.microsoft.com/office/drawing/2010/main">
+                <a:solidFill>
+                  <a:schemeClr val="accent1"/>
+                </a:solidFill>
+              </a14:hiddenFill>
+            </a:ext>
+            <a:ext uri="{91240B29-F687-4F45-9708-019B960494DF}">
+              <a14:hiddenLine xmlns:a14="http://schemas.microsoft.com/office/drawing/2010/main" w="9525">
+                <a:solidFill>
+                  <a:schemeClr val="tx1"/>
+                </a:solidFill>
+                <a:miter lim="800000"/>
+                <a:headEnd/>
+                <a:tailEnd/>
+              </a14:hiddenLine>
+            </a:ext>
+            <a:ext uri="{AF507438-7753-43E0-B8FC-AC1667EBCBE1}">
+              <a14:hiddenEffects xmlns:a14="http://schemas.microsoft.com/office/drawing/2010/main">
+                <a:effectLst>
+                  <a:outerShdw dist="35921" dir="2700000" algn="ctr" rotWithShape="0">
+                    <a:schemeClr val="bg2"/>
+                  </a:outerShdw>
+                </a:effectLst>
+              </a14:hiddenEffects>
+            </a:ext>
+          </a:extLst>
+        </p:spPr>
+      </p:pic>
     </p:spTree>
     <p:extLst>
       <p:ext uri="{BB962C8B-B14F-4D97-AF65-F5344CB8AC3E}">
-        <p14:creationId xmlns:p14="http://schemas.microsoft.com/office/powerpoint/2010/main" val="4086866042"/>
+        <p14:creationId xmlns:p14="http://schemas.microsoft.com/office/powerpoint/2010/main" val="1870810629"/>
       </p:ext>
     </p:extLst>
   </p:cSld>
